--- a/sample.pptx
+++ b/sample.pptx
@@ -2952,7 +2952,7 @@
           <a:p>
             <a:r>
               <a:rPr lang="en-IN" altLang="en-US"/>
-              <a:t>Ab maine new text add kiya</a:t>
+              <a:t>Ab maine new text add kiya and ab mai isse unstaged karne wala hun</a:t>
             </a:r>
             <a:endParaRPr lang="en-IN" altLang="en-US"/>
           </a:p>
